--- a/docs/CausalityPredictionSearchSpirtesNotes.pptx
+++ b/docs/CausalityPredictionSearchSpirtesNotes.pptx
@@ -3321,56 +3321,1056 @@
           <a:chExt cx="0" cy="0"/>
         </a:xfrm>
       </p:grpSpPr>
-      <p:sp>
-        <p:nvSpPr>
-          <p:cNvPr id="2" name="Title 1">
-            <a:extLst>
-              <a:ext uri="{FF2B5EF4-FFF2-40B4-BE49-F238E27FC236}">
-                <a16:creationId xmlns:a16="http://schemas.microsoft.com/office/drawing/2014/main" id="{294F41B4-46E2-2123-4CE8-FCD52279D5F7}"/>
-              </a:ext>
-            </a:extLst>
-          </p:cNvPr>
-          <p:cNvSpPr>
-            <a:spLocks noGrp="1"/>
-          </p:cNvSpPr>
-          <p:nvPr>
-            <p:ph type="ctrTitle"/>
-          </p:nvPr>
-        </p:nvSpPr>
-        <p:spPr/>
-        <p:txBody>
-          <a:bodyPr/>
-          <a:lstStyle/>
-          <a:p>
-            <a:endParaRPr lang="en-US"/>
-          </a:p>
-        </p:txBody>
-      </p:sp>
-      <p:sp>
-        <p:nvSpPr>
-          <p:cNvPr id="3" name="Subtitle 2">
-            <a:extLst>
-              <a:ext uri="{FF2B5EF4-FFF2-40B4-BE49-F238E27FC236}">
-                <a16:creationId xmlns:a16="http://schemas.microsoft.com/office/drawing/2014/main" id="{AF9B2B3A-86E5-5758-B6CF-3FD9A52E8305}"/>
-              </a:ext>
-            </a:extLst>
-          </p:cNvPr>
-          <p:cNvSpPr>
-            <a:spLocks noGrp="1"/>
-          </p:cNvSpPr>
-          <p:nvPr>
-            <p:ph type="subTitle" idx="1"/>
-          </p:nvPr>
-        </p:nvSpPr>
-        <p:spPr/>
-        <p:txBody>
-          <a:bodyPr/>
-          <a:lstStyle/>
-          <a:p>
-            <a:endParaRPr lang="en-US"/>
-          </a:p>
-        </p:txBody>
-      </p:sp>
+      <p:grpSp>
+        <p:nvGrpSpPr>
+          <p:cNvPr id="32" name="Group 31">
+            <a:extLst>
+              <a:ext uri="{FF2B5EF4-FFF2-40B4-BE49-F238E27FC236}">
+                <a16:creationId xmlns:a16="http://schemas.microsoft.com/office/drawing/2014/main" id="{A1DBA55C-1C90-801B-F119-3D5DB19D0264}"/>
+              </a:ext>
+            </a:extLst>
+          </p:cNvPr>
+          <p:cNvGrpSpPr/>
+          <p:nvPr/>
+        </p:nvGrpSpPr>
+        <p:grpSpPr>
+          <a:xfrm>
+            <a:off x="3511148" y="2011680"/>
+            <a:ext cx="2024656" cy="1937337"/>
+            <a:chOff x="3511148" y="2011680"/>
+            <a:chExt cx="2024656" cy="1937337"/>
+          </a:xfrm>
+        </p:grpSpPr>
+        <p:sp>
+          <p:nvSpPr>
+            <p:cNvPr id="4" name="Oval 3">
+              <a:extLst>
+                <a:ext uri="{FF2B5EF4-FFF2-40B4-BE49-F238E27FC236}">
+                  <a16:creationId xmlns:a16="http://schemas.microsoft.com/office/drawing/2014/main" id="{FFE14DD0-1032-A41A-9745-447387E6DC94}"/>
+                </a:ext>
+              </a:extLst>
+            </p:cNvPr>
+            <p:cNvSpPr/>
+            <p:nvPr/>
+          </p:nvSpPr>
+          <p:spPr>
+            <a:xfrm>
+              <a:off x="4357897" y="2011680"/>
+              <a:ext cx="365760" cy="374681"/>
+            </a:xfrm>
+            <a:prstGeom prst="ellipse">
+              <a:avLst/>
+            </a:prstGeom>
+            <a:solidFill>
+              <a:schemeClr val="accent1">
+                <a:lumMod val="40000"/>
+                <a:lumOff val="60000"/>
+              </a:schemeClr>
+            </a:solidFill>
+          </p:spPr>
+          <p:style>
+            <a:lnRef idx="2">
+              <a:schemeClr val="accent1">
+                <a:shade val="15000"/>
+              </a:schemeClr>
+            </a:lnRef>
+            <a:fillRef idx="1">
+              <a:schemeClr val="accent1"/>
+            </a:fillRef>
+            <a:effectRef idx="0">
+              <a:schemeClr val="accent1"/>
+            </a:effectRef>
+            <a:fontRef idx="minor">
+              <a:schemeClr val="lt1"/>
+            </a:fontRef>
+          </p:style>
+          <p:txBody>
+            <a:bodyPr rtlCol="0" anchor="ctr"/>
+            <a:lstStyle/>
+            <a:p>
+              <a:pPr algn="ctr"/>
+              <a:endParaRPr lang="en-US"/>
+            </a:p>
+          </p:txBody>
+        </p:sp>
+        <mc:AlternateContent xmlns:mc="http://schemas.openxmlformats.org/markup-compatibility/2006">
+          <mc:Choice xmlns:a14="http://schemas.microsoft.com/office/drawing/2010/main" Requires="a14">
+            <p:sp>
+              <p:nvSpPr>
+                <p:cNvPr id="5" name="TextBox 4">
+                  <a:extLst>
+                    <a:ext uri="{FF2B5EF4-FFF2-40B4-BE49-F238E27FC236}">
+                      <a16:creationId xmlns:a16="http://schemas.microsoft.com/office/drawing/2014/main" id="{8FB97303-57DF-7E98-AC4C-50E1385C09D0}"/>
+                    </a:ext>
+                  </a:extLst>
+                </p:cNvPr>
+                <p:cNvSpPr txBox="1"/>
+                <p:nvPr/>
+              </p:nvSpPr>
+              <p:spPr>
+                <a:xfrm>
+                  <a:off x="4392499" y="2075909"/>
+                  <a:ext cx="305468" cy="246221"/>
+                </a:xfrm>
+                <a:prstGeom prst="rect">
+                  <a:avLst/>
+                </a:prstGeom>
+                <a:noFill/>
+              </p:spPr>
+              <p:txBody>
+                <a:bodyPr wrap="none" rtlCol="0">
+                  <a:spAutoFit/>
+                </a:bodyPr>
+                <a:lstStyle/>
+                <a:p>
+                  <a14:m>
+                    <m:oMathPara xmlns:m="http://schemas.openxmlformats.org/officeDocument/2006/math">
+                      <m:oMathParaPr>
+                        <m:jc m:val="centerGroup"/>
+                      </m:oMathParaPr>
+                      <m:oMath xmlns:m="http://schemas.openxmlformats.org/officeDocument/2006/math">
+                        <m:r>
+                          <a:rPr lang="en-US" sz="1000" b="0" i="1" smtClean="0">
+                            <a:latin typeface="Cambria Math" panose="02040503050406030204" pitchFamily="18" charset="0"/>
+                          </a:rPr>
+                          <m:t>𝐷</m:t>
+                        </m:r>
+                      </m:oMath>
+                    </m:oMathPara>
+                  </a14:m>
+                  <a:endParaRPr lang="en-US" sz="1000" dirty="0"/>
+                </a:p>
+              </p:txBody>
+            </p:sp>
+          </mc:Choice>
+          <mc:Fallback>
+            <p:sp>
+              <p:nvSpPr>
+                <p:cNvPr id="5" name="TextBox 4">
+                  <a:extLst>
+                    <a:ext uri="{FF2B5EF4-FFF2-40B4-BE49-F238E27FC236}">
+                      <a16:creationId xmlns:a16="http://schemas.microsoft.com/office/drawing/2014/main" id="{8FB97303-57DF-7E98-AC4C-50E1385C09D0}"/>
+                    </a:ext>
+                  </a:extLst>
+                </p:cNvPr>
+                <p:cNvSpPr txBox="1">
+                  <a:spLocks noRot="1" noChangeAspect="1" noMove="1" noResize="1" noEditPoints="1" noAdjustHandles="1" noChangeArrowheads="1" noChangeShapeType="1" noTextEdit="1"/>
+                </p:cNvSpPr>
+                <p:nvPr/>
+              </p:nvSpPr>
+              <p:spPr>
+                <a:xfrm>
+                  <a:off x="4392499" y="2075909"/>
+                  <a:ext cx="305468" cy="246221"/>
+                </a:xfrm>
+                <a:prstGeom prst="rect">
+                  <a:avLst/>
+                </a:prstGeom>
+                <a:blipFill>
+                  <a:blip r:embed="rId2"/>
+                  <a:stretch>
+                    <a:fillRect/>
+                  </a:stretch>
+                </a:blipFill>
+              </p:spPr>
+              <p:txBody>
+                <a:bodyPr/>
+                <a:lstStyle/>
+                <a:p>
+                  <a:r>
+                    <a:rPr lang="en-US">
+                      <a:noFill/>
+                    </a:rPr>
+                    <a:t> </a:t>
+                  </a:r>
+                </a:p>
+              </p:txBody>
+            </p:sp>
+          </mc:Fallback>
+        </mc:AlternateContent>
+        <p:sp>
+          <p:nvSpPr>
+            <p:cNvPr id="6" name="Oval 5">
+              <a:extLst>
+                <a:ext uri="{FF2B5EF4-FFF2-40B4-BE49-F238E27FC236}">
+                  <a16:creationId xmlns:a16="http://schemas.microsoft.com/office/drawing/2014/main" id="{29945BCA-84DB-EA8D-82D3-4BE076055E03}"/>
+                </a:ext>
+              </a:extLst>
+            </p:cNvPr>
+            <p:cNvSpPr/>
+            <p:nvPr/>
+          </p:nvSpPr>
+          <p:spPr>
+            <a:xfrm>
+              <a:off x="3511148" y="2846534"/>
+              <a:ext cx="365760" cy="374681"/>
+            </a:xfrm>
+            <a:prstGeom prst="ellipse">
+              <a:avLst/>
+            </a:prstGeom>
+            <a:solidFill>
+              <a:schemeClr val="accent1">
+                <a:lumMod val="40000"/>
+                <a:lumOff val="60000"/>
+              </a:schemeClr>
+            </a:solidFill>
+          </p:spPr>
+          <p:style>
+            <a:lnRef idx="2">
+              <a:schemeClr val="accent1">
+                <a:shade val="15000"/>
+              </a:schemeClr>
+            </a:lnRef>
+            <a:fillRef idx="1">
+              <a:schemeClr val="accent1"/>
+            </a:fillRef>
+            <a:effectRef idx="0">
+              <a:schemeClr val="accent1"/>
+            </a:effectRef>
+            <a:fontRef idx="minor">
+              <a:schemeClr val="lt1"/>
+            </a:fontRef>
+          </p:style>
+          <p:txBody>
+            <a:bodyPr rtlCol="0" anchor="ctr"/>
+            <a:lstStyle/>
+            <a:p>
+              <a:pPr algn="ctr"/>
+              <a:endParaRPr lang="en-US"/>
+            </a:p>
+          </p:txBody>
+        </p:sp>
+        <mc:AlternateContent xmlns:mc="http://schemas.openxmlformats.org/markup-compatibility/2006">
+          <mc:Choice xmlns:a14="http://schemas.microsoft.com/office/drawing/2010/main" Requires="a14">
+            <p:sp>
+              <p:nvSpPr>
+                <p:cNvPr id="7" name="TextBox 6">
+                  <a:extLst>
+                    <a:ext uri="{FF2B5EF4-FFF2-40B4-BE49-F238E27FC236}">
+                      <a16:creationId xmlns:a16="http://schemas.microsoft.com/office/drawing/2014/main" id="{DCB4CB27-1D2D-B9A5-CB49-45FCF4703077}"/>
+                    </a:ext>
+                  </a:extLst>
+                </p:cNvPr>
+                <p:cNvSpPr txBox="1"/>
+                <p:nvPr/>
+              </p:nvSpPr>
+              <p:spPr>
+                <a:xfrm>
+                  <a:off x="3545750" y="2910763"/>
+                  <a:ext cx="296556" cy="246221"/>
+                </a:xfrm>
+                <a:prstGeom prst="rect">
+                  <a:avLst/>
+                </a:prstGeom>
+                <a:noFill/>
+              </p:spPr>
+              <p:txBody>
+                <a:bodyPr wrap="none" rtlCol="0">
+                  <a:spAutoFit/>
+                </a:bodyPr>
+                <a:lstStyle/>
+                <a:p>
+                  <a14:m>
+                    <m:oMathPara xmlns:m="http://schemas.openxmlformats.org/officeDocument/2006/math">
+                      <m:oMathParaPr>
+                        <m:jc m:val="centerGroup"/>
+                      </m:oMathParaPr>
+                      <m:oMath xmlns:m="http://schemas.openxmlformats.org/officeDocument/2006/math">
+                        <m:r>
+                          <a:rPr lang="en-US" sz="1000" i="1" dirty="0" smtClean="0">
+                            <a:latin typeface="Cambria Math" panose="02040503050406030204" pitchFamily="18" charset="0"/>
+                          </a:rPr>
+                          <m:t>𝐴</m:t>
+                        </m:r>
+                      </m:oMath>
+                    </m:oMathPara>
+                  </a14:m>
+                  <a:endParaRPr lang="en-US" sz="1000" dirty="0"/>
+                </a:p>
+              </p:txBody>
+            </p:sp>
+          </mc:Choice>
+          <mc:Fallback>
+            <p:sp>
+              <p:nvSpPr>
+                <p:cNvPr id="7" name="TextBox 6">
+                  <a:extLst>
+                    <a:ext uri="{FF2B5EF4-FFF2-40B4-BE49-F238E27FC236}">
+                      <a16:creationId xmlns:a16="http://schemas.microsoft.com/office/drawing/2014/main" id="{DCB4CB27-1D2D-B9A5-CB49-45FCF4703077}"/>
+                    </a:ext>
+                  </a:extLst>
+                </p:cNvPr>
+                <p:cNvSpPr txBox="1">
+                  <a:spLocks noRot="1" noChangeAspect="1" noMove="1" noResize="1" noEditPoints="1" noAdjustHandles="1" noChangeArrowheads="1" noChangeShapeType="1" noTextEdit="1"/>
+                </p:cNvSpPr>
+                <p:nvPr/>
+              </p:nvSpPr>
+              <p:spPr>
+                <a:xfrm>
+                  <a:off x="3545750" y="2910763"/>
+                  <a:ext cx="296556" cy="246221"/>
+                </a:xfrm>
+                <a:prstGeom prst="rect">
+                  <a:avLst/>
+                </a:prstGeom>
+                <a:blipFill>
+                  <a:blip r:embed="rId3"/>
+                  <a:stretch>
+                    <a:fillRect/>
+                  </a:stretch>
+                </a:blipFill>
+              </p:spPr>
+              <p:txBody>
+                <a:bodyPr/>
+                <a:lstStyle/>
+                <a:p>
+                  <a:r>
+                    <a:rPr lang="en-US">
+                      <a:noFill/>
+                    </a:rPr>
+                    <a:t> </a:t>
+                  </a:r>
+                </a:p>
+              </p:txBody>
+            </p:sp>
+          </mc:Fallback>
+        </mc:AlternateContent>
+        <p:sp>
+          <p:nvSpPr>
+            <p:cNvPr id="8" name="Oval 7">
+              <a:extLst>
+                <a:ext uri="{FF2B5EF4-FFF2-40B4-BE49-F238E27FC236}">
+                  <a16:creationId xmlns:a16="http://schemas.microsoft.com/office/drawing/2014/main" id="{D2769B78-02CE-9FD8-7EB0-81CC4D79DC5E}"/>
+                </a:ext>
+              </a:extLst>
+            </p:cNvPr>
+            <p:cNvSpPr/>
+            <p:nvPr/>
+          </p:nvSpPr>
+          <p:spPr>
+            <a:xfrm>
+              <a:off x="4357897" y="2846534"/>
+              <a:ext cx="365760" cy="374681"/>
+            </a:xfrm>
+            <a:prstGeom prst="ellipse">
+              <a:avLst/>
+            </a:prstGeom>
+            <a:solidFill>
+              <a:schemeClr val="accent1">
+                <a:lumMod val="40000"/>
+                <a:lumOff val="60000"/>
+              </a:schemeClr>
+            </a:solidFill>
+          </p:spPr>
+          <p:style>
+            <a:lnRef idx="2">
+              <a:schemeClr val="accent1">
+                <a:shade val="15000"/>
+              </a:schemeClr>
+            </a:lnRef>
+            <a:fillRef idx="1">
+              <a:schemeClr val="accent1"/>
+            </a:fillRef>
+            <a:effectRef idx="0">
+              <a:schemeClr val="accent1"/>
+            </a:effectRef>
+            <a:fontRef idx="minor">
+              <a:schemeClr val="lt1"/>
+            </a:fontRef>
+          </p:style>
+          <p:txBody>
+            <a:bodyPr rtlCol="0" anchor="ctr"/>
+            <a:lstStyle/>
+            <a:p>
+              <a:pPr algn="ctr"/>
+              <a:endParaRPr lang="en-US"/>
+            </a:p>
+          </p:txBody>
+        </p:sp>
+        <mc:AlternateContent xmlns:mc="http://schemas.openxmlformats.org/markup-compatibility/2006">
+          <mc:Choice xmlns:a14="http://schemas.microsoft.com/office/drawing/2010/main" Requires="a14">
+            <p:sp>
+              <p:nvSpPr>
+                <p:cNvPr id="9" name="TextBox 8">
+                  <a:extLst>
+                    <a:ext uri="{FF2B5EF4-FFF2-40B4-BE49-F238E27FC236}">
+                      <a16:creationId xmlns:a16="http://schemas.microsoft.com/office/drawing/2014/main" id="{BC49972B-20F0-36A6-3533-E43D5087D19B}"/>
+                    </a:ext>
+                  </a:extLst>
+                </p:cNvPr>
+                <p:cNvSpPr txBox="1"/>
+                <p:nvPr/>
+              </p:nvSpPr>
+              <p:spPr>
+                <a:xfrm>
+                  <a:off x="4392499" y="2910763"/>
+                  <a:ext cx="301941" cy="246221"/>
+                </a:xfrm>
+                <a:prstGeom prst="rect">
+                  <a:avLst/>
+                </a:prstGeom>
+                <a:noFill/>
+              </p:spPr>
+              <p:txBody>
+                <a:bodyPr wrap="none" rtlCol="0">
+                  <a:spAutoFit/>
+                </a:bodyPr>
+                <a:lstStyle/>
+                <a:p>
+                  <a14:m>
+                    <m:oMathPara xmlns:m="http://schemas.openxmlformats.org/officeDocument/2006/math">
+                      <m:oMathParaPr>
+                        <m:jc m:val="centerGroup"/>
+                      </m:oMathParaPr>
+                      <m:oMath xmlns:m="http://schemas.openxmlformats.org/officeDocument/2006/math">
+                        <m:r>
+                          <a:rPr lang="en-US" sz="1000" b="0" i="1" smtClean="0">
+                            <a:latin typeface="Cambria Math" panose="02040503050406030204" pitchFamily="18" charset="0"/>
+                          </a:rPr>
+                          <m:t>𝐵</m:t>
+                        </m:r>
+                      </m:oMath>
+                    </m:oMathPara>
+                  </a14:m>
+                  <a:endParaRPr lang="en-US" sz="1000" dirty="0"/>
+                </a:p>
+              </p:txBody>
+            </p:sp>
+          </mc:Choice>
+          <mc:Fallback>
+            <p:sp>
+              <p:nvSpPr>
+                <p:cNvPr id="9" name="TextBox 8">
+                  <a:extLst>
+                    <a:ext uri="{FF2B5EF4-FFF2-40B4-BE49-F238E27FC236}">
+                      <a16:creationId xmlns:a16="http://schemas.microsoft.com/office/drawing/2014/main" id="{BC49972B-20F0-36A6-3533-E43D5087D19B}"/>
+                    </a:ext>
+                  </a:extLst>
+                </p:cNvPr>
+                <p:cNvSpPr txBox="1">
+                  <a:spLocks noRot="1" noChangeAspect="1" noMove="1" noResize="1" noEditPoints="1" noAdjustHandles="1" noChangeArrowheads="1" noChangeShapeType="1" noTextEdit="1"/>
+                </p:cNvSpPr>
+                <p:nvPr/>
+              </p:nvSpPr>
+              <p:spPr>
+                <a:xfrm>
+                  <a:off x="4392499" y="2910763"/>
+                  <a:ext cx="301941" cy="246221"/>
+                </a:xfrm>
+                <a:prstGeom prst="rect">
+                  <a:avLst/>
+                </a:prstGeom>
+                <a:blipFill>
+                  <a:blip r:embed="rId4"/>
+                  <a:stretch>
+                    <a:fillRect/>
+                  </a:stretch>
+                </a:blipFill>
+              </p:spPr>
+              <p:txBody>
+                <a:bodyPr/>
+                <a:lstStyle/>
+                <a:p>
+                  <a:r>
+                    <a:rPr lang="en-US">
+                      <a:noFill/>
+                    </a:rPr>
+                    <a:t> </a:t>
+                  </a:r>
+                </a:p>
+              </p:txBody>
+            </p:sp>
+          </mc:Fallback>
+        </mc:AlternateContent>
+        <p:sp>
+          <p:nvSpPr>
+            <p:cNvPr id="11" name="Oval 10">
+              <a:extLst>
+                <a:ext uri="{FF2B5EF4-FFF2-40B4-BE49-F238E27FC236}">
+                  <a16:creationId xmlns:a16="http://schemas.microsoft.com/office/drawing/2014/main" id="{76D06945-DE32-B159-FFA4-0F36820B9510}"/>
+                </a:ext>
+              </a:extLst>
+            </p:cNvPr>
+            <p:cNvSpPr/>
+            <p:nvPr/>
+          </p:nvSpPr>
+          <p:spPr>
+            <a:xfrm>
+              <a:off x="5170044" y="2846534"/>
+              <a:ext cx="365760" cy="374681"/>
+            </a:xfrm>
+            <a:prstGeom prst="ellipse">
+              <a:avLst/>
+            </a:prstGeom>
+            <a:solidFill>
+              <a:schemeClr val="accent1">
+                <a:lumMod val="40000"/>
+                <a:lumOff val="60000"/>
+              </a:schemeClr>
+            </a:solidFill>
+          </p:spPr>
+          <p:style>
+            <a:lnRef idx="2">
+              <a:schemeClr val="accent1">
+                <a:shade val="15000"/>
+              </a:schemeClr>
+            </a:lnRef>
+            <a:fillRef idx="1">
+              <a:schemeClr val="accent1"/>
+            </a:fillRef>
+            <a:effectRef idx="0">
+              <a:schemeClr val="accent1"/>
+            </a:effectRef>
+            <a:fontRef idx="minor">
+              <a:schemeClr val="lt1"/>
+            </a:fontRef>
+          </p:style>
+          <p:txBody>
+            <a:bodyPr rtlCol="0" anchor="ctr"/>
+            <a:lstStyle/>
+            <a:p>
+              <a:pPr algn="ctr"/>
+              <a:endParaRPr lang="en-US"/>
+            </a:p>
+          </p:txBody>
+        </p:sp>
+        <mc:AlternateContent xmlns:mc="http://schemas.openxmlformats.org/markup-compatibility/2006">
+          <mc:Choice xmlns:a14="http://schemas.microsoft.com/office/drawing/2010/main" Requires="a14">
+            <p:sp>
+              <p:nvSpPr>
+                <p:cNvPr id="12" name="TextBox 11">
+                  <a:extLst>
+                    <a:ext uri="{FF2B5EF4-FFF2-40B4-BE49-F238E27FC236}">
+                      <a16:creationId xmlns:a16="http://schemas.microsoft.com/office/drawing/2014/main" id="{C5FA23A3-D3EF-B0A5-8DDD-742DF766E06C}"/>
+                    </a:ext>
+                  </a:extLst>
+                </p:cNvPr>
+                <p:cNvSpPr txBox="1"/>
+                <p:nvPr/>
+              </p:nvSpPr>
+              <p:spPr>
+                <a:xfrm>
+                  <a:off x="5204646" y="2910763"/>
+                  <a:ext cx="296107" cy="246221"/>
+                </a:xfrm>
+                <a:prstGeom prst="rect">
+                  <a:avLst/>
+                </a:prstGeom>
+                <a:noFill/>
+              </p:spPr>
+              <p:txBody>
+                <a:bodyPr wrap="none" rtlCol="0">
+                  <a:spAutoFit/>
+                </a:bodyPr>
+                <a:lstStyle/>
+                <a:p>
+                  <a14:m>
+                    <m:oMathPara xmlns:m="http://schemas.openxmlformats.org/officeDocument/2006/math">
+                      <m:oMathParaPr>
+                        <m:jc m:val="centerGroup"/>
+                      </m:oMathParaPr>
+                      <m:oMath xmlns:m="http://schemas.openxmlformats.org/officeDocument/2006/math">
+                        <m:r>
+                          <a:rPr lang="en-US" sz="1000" b="0" i="1" smtClean="0">
+                            <a:latin typeface="Cambria Math" panose="02040503050406030204" pitchFamily="18" charset="0"/>
+                          </a:rPr>
+                          <m:t>𝐶</m:t>
+                        </m:r>
+                      </m:oMath>
+                    </m:oMathPara>
+                  </a14:m>
+                  <a:endParaRPr lang="en-US" sz="1000" dirty="0"/>
+                </a:p>
+              </p:txBody>
+            </p:sp>
+          </mc:Choice>
+          <mc:Fallback>
+            <p:sp>
+              <p:nvSpPr>
+                <p:cNvPr id="12" name="TextBox 11">
+                  <a:extLst>
+                    <a:ext uri="{FF2B5EF4-FFF2-40B4-BE49-F238E27FC236}">
+                      <a16:creationId xmlns:a16="http://schemas.microsoft.com/office/drawing/2014/main" id="{C5FA23A3-D3EF-B0A5-8DDD-742DF766E06C}"/>
+                    </a:ext>
+                  </a:extLst>
+                </p:cNvPr>
+                <p:cNvSpPr txBox="1">
+                  <a:spLocks noRot="1" noChangeAspect="1" noMove="1" noResize="1" noEditPoints="1" noAdjustHandles="1" noChangeArrowheads="1" noChangeShapeType="1" noTextEdit="1"/>
+                </p:cNvSpPr>
+                <p:nvPr/>
+              </p:nvSpPr>
+              <p:spPr>
+                <a:xfrm>
+                  <a:off x="5204646" y="2910763"/>
+                  <a:ext cx="296107" cy="246221"/>
+                </a:xfrm>
+                <a:prstGeom prst="rect">
+                  <a:avLst/>
+                </a:prstGeom>
+                <a:blipFill>
+                  <a:blip r:embed="rId5"/>
+                  <a:stretch>
+                    <a:fillRect/>
+                  </a:stretch>
+                </a:blipFill>
+              </p:spPr>
+              <p:txBody>
+                <a:bodyPr/>
+                <a:lstStyle/>
+                <a:p>
+                  <a:r>
+                    <a:rPr lang="en-US">
+                      <a:noFill/>
+                    </a:rPr>
+                    <a:t> </a:t>
+                  </a:r>
+                </a:p>
+              </p:txBody>
+            </p:sp>
+          </mc:Fallback>
+        </mc:AlternateContent>
+        <p:sp>
+          <p:nvSpPr>
+            <p:cNvPr id="13" name="Oval 12">
+              <a:extLst>
+                <a:ext uri="{FF2B5EF4-FFF2-40B4-BE49-F238E27FC236}">
+                  <a16:creationId xmlns:a16="http://schemas.microsoft.com/office/drawing/2014/main" id="{8FE2EE3C-4602-F5AC-407F-CDDD955BF9DD}"/>
+                </a:ext>
+              </a:extLst>
+            </p:cNvPr>
+            <p:cNvSpPr/>
+            <p:nvPr/>
+          </p:nvSpPr>
+          <p:spPr>
+            <a:xfrm>
+              <a:off x="4357897" y="3574336"/>
+              <a:ext cx="365760" cy="374681"/>
+            </a:xfrm>
+            <a:prstGeom prst="ellipse">
+              <a:avLst/>
+            </a:prstGeom>
+            <a:solidFill>
+              <a:schemeClr val="accent1">
+                <a:lumMod val="40000"/>
+                <a:lumOff val="60000"/>
+              </a:schemeClr>
+            </a:solidFill>
+          </p:spPr>
+          <p:style>
+            <a:lnRef idx="2">
+              <a:schemeClr val="accent1">
+                <a:shade val="15000"/>
+              </a:schemeClr>
+            </a:lnRef>
+            <a:fillRef idx="1">
+              <a:schemeClr val="accent1"/>
+            </a:fillRef>
+            <a:effectRef idx="0">
+              <a:schemeClr val="accent1"/>
+            </a:effectRef>
+            <a:fontRef idx="minor">
+              <a:schemeClr val="lt1"/>
+            </a:fontRef>
+          </p:style>
+          <p:txBody>
+            <a:bodyPr rtlCol="0" anchor="ctr"/>
+            <a:lstStyle/>
+            <a:p>
+              <a:pPr algn="ctr"/>
+              <a:endParaRPr lang="en-US"/>
+            </a:p>
+          </p:txBody>
+        </p:sp>
+        <mc:AlternateContent xmlns:mc="http://schemas.openxmlformats.org/markup-compatibility/2006">
+          <mc:Choice xmlns:a14="http://schemas.microsoft.com/office/drawing/2010/main" Requires="a14">
+            <p:sp>
+              <p:nvSpPr>
+                <p:cNvPr id="14" name="TextBox 13">
+                  <a:extLst>
+                    <a:ext uri="{FF2B5EF4-FFF2-40B4-BE49-F238E27FC236}">
+                      <a16:creationId xmlns:a16="http://schemas.microsoft.com/office/drawing/2014/main" id="{6B47FC8F-E028-5C56-B3E9-364CD5340F30}"/>
+                    </a:ext>
+                  </a:extLst>
+                </p:cNvPr>
+                <p:cNvSpPr txBox="1"/>
+                <p:nvPr/>
+              </p:nvSpPr>
+              <p:spPr>
+                <a:xfrm>
+                  <a:off x="4392499" y="3638565"/>
+                  <a:ext cx="298672" cy="246221"/>
+                </a:xfrm>
+                <a:prstGeom prst="rect">
+                  <a:avLst/>
+                </a:prstGeom>
+                <a:noFill/>
+              </p:spPr>
+              <p:txBody>
+                <a:bodyPr wrap="none" rtlCol="0">
+                  <a:spAutoFit/>
+                </a:bodyPr>
+                <a:lstStyle/>
+                <a:p>
+                  <a14:m>
+                    <m:oMathPara xmlns:m="http://schemas.openxmlformats.org/officeDocument/2006/math">
+                      <m:oMathParaPr>
+                        <m:jc m:val="centerGroup"/>
+                      </m:oMathParaPr>
+                      <m:oMath xmlns:m="http://schemas.openxmlformats.org/officeDocument/2006/math">
+                        <m:r>
+                          <a:rPr lang="en-US" sz="1000" b="0" i="1" smtClean="0">
+                            <a:latin typeface="Cambria Math" panose="02040503050406030204" pitchFamily="18" charset="0"/>
+                          </a:rPr>
+                          <m:t>𝐸</m:t>
+                        </m:r>
+                      </m:oMath>
+                    </m:oMathPara>
+                  </a14:m>
+                  <a:endParaRPr lang="en-US" sz="1000" dirty="0"/>
+                </a:p>
+              </p:txBody>
+            </p:sp>
+          </mc:Choice>
+          <mc:Fallback>
+            <p:sp>
+              <p:nvSpPr>
+                <p:cNvPr id="14" name="TextBox 13">
+                  <a:extLst>
+                    <a:ext uri="{FF2B5EF4-FFF2-40B4-BE49-F238E27FC236}">
+                      <a16:creationId xmlns:a16="http://schemas.microsoft.com/office/drawing/2014/main" id="{6B47FC8F-E028-5C56-B3E9-364CD5340F30}"/>
+                    </a:ext>
+                  </a:extLst>
+                </p:cNvPr>
+                <p:cNvSpPr txBox="1">
+                  <a:spLocks noRot="1" noChangeAspect="1" noMove="1" noResize="1" noEditPoints="1" noAdjustHandles="1" noChangeArrowheads="1" noChangeShapeType="1" noTextEdit="1"/>
+                </p:cNvSpPr>
+                <p:nvPr/>
+              </p:nvSpPr>
+              <p:spPr>
+                <a:xfrm>
+                  <a:off x="4392499" y="3638565"/>
+                  <a:ext cx="298672" cy="246221"/>
+                </a:xfrm>
+                <a:prstGeom prst="rect">
+                  <a:avLst/>
+                </a:prstGeom>
+                <a:blipFill>
+                  <a:blip r:embed="rId6"/>
+                  <a:stretch>
+                    <a:fillRect/>
+                  </a:stretch>
+                </a:blipFill>
+              </p:spPr>
+              <p:txBody>
+                <a:bodyPr/>
+                <a:lstStyle/>
+                <a:p>
+                  <a:r>
+                    <a:rPr lang="en-US">
+                      <a:noFill/>
+                    </a:rPr>
+                    <a:t> </a:t>
+                  </a:r>
+                </a:p>
+              </p:txBody>
+            </p:sp>
+          </mc:Fallback>
+        </mc:AlternateContent>
+        <p:cxnSp>
+          <p:nvCxnSpPr>
+            <p:cNvPr id="16" name="Straight Arrow Connector 15">
+              <a:extLst>
+                <a:ext uri="{FF2B5EF4-FFF2-40B4-BE49-F238E27FC236}">
+                  <a16:creationId xmlns:a16="http://schemas.microsoft.com/office/drawing/2014/main" id="{84EB24BC-B91B-4A6D-5E8B-D72216DF8389}"/>
+                </a:ext>
+              </a:extLst>
+            </p:cNvPr>
+            <p:cNvCxnSpPr>
+              <a:stCxn id="6" idx="7"/>
+              <a:endCxn id="4" idx="3"/>
+            </p:cNvCxnSpPr>
+            <p:nvPr/>
+          </p:nvCxnSpPr>
+          <p:spPr>
+            <a:xfrm flipV="1">
+              <a:off x="3823344" y="2331490"/>
+              <a:ext cx="588117" cy="569915"/>
+            </a:xfrm>
+            <a:prstGeom prst="straightConnector1">
+              <a:avLst/>
+            </a:prstGeom>
+            <a:ln>
+              <a:tailEnd type="triangle"/>
+            </a:ln>
+          </p:spPr>
+          <p:style>
+            <a:lnRef idx="1">
+              <a:schemeClr val="accent1"/>
+            </a:lnRef>
+            <a:fillRef idx="0">
+              <a:schemeClr val="accent1"/>
+            </a:fillRef>
+            <a:effectRef idx="0">
+              <a:schemeClr val="accent1"/>
+            </a:effectRef>
+            <a:fontRef idx="minor">
+              <a:schemeClr val="tx1"/>
+            </a:fontRef>
+          </p:style>
+        </p:cxnSp>
+        <p:cxnSp>
+          <p:nvCxnSpPr>
+            <p:cNvPr id="18" name="Straight Arrow Connector 17">
+              <a:extLst>
+                <a:ext uri="{FF2B5EF4-FFF2-40B4-BE49-F238E27FC236}">
+                  <a16:creationId xmlns:a16="http://schemas.microsoft.com/office/drawing/2014/main" id="{49D01E11-4B59-5903-9543-A6B003741FCD}"/>
+                </a:ext>
+              </a:extLst>
+            </p:cNvPr>
+            <p:cNvCxnSpPr>
+              <a:stCxn id="4" idx="4"/>
+              <a:endCxn id="8" idx="0"/>
+            </p:cNvCxnSpPr>
+            <p:nvPr/>
+          </p:nvCxnSpPr>
+          <p:spPr>
+            <a:xfrm>
+              <a:off x="4540777" y="2386361"/>
+              <a:ext cx="0" cy="460173"/>
+            </a:xfrm>
+            <a:prstGeom prst="straightConnector1">
+              <a:avLst/>
+            </a:prstGeom>
+            <a:ln>
+              <a:tailEnd type="triangle"/>
+            </a:ln>
+          </p:spPr>
+          <p:style>
+            <a:lnRef idx="1">
+              <a:schemeClr val="accent1"/>
+            </a:lnRef>
+            <a:fillRef idx="0">
+              <a:schemeClr val="accent1"/>
+            </a:fillRef>
+            <a:effectRef idx="0">
+              <a:schemeClr val="accent1"/>
+            </a:effectRef>
+            <a:fontRef idx="minor">
+              <a:schemeClr val="tx1"/>
+            </a:fontRef>
+          </p:style>
+        </p:cxnSp>
+        <p:cxnSp>
+          <p:nvCxnSpPr>
+            <p:cNvPr id="20" name="Straight Arrow Connector 19">
+              <a:extLst>
+                <a:ext uri="{FF2B5EF4-FFF2-40B4-BE49-F238E27FC236}">
+                  <a16:creationId xmlns:a16="http://schemas.microsoft.com/office/drawing/2014/main" id="{6A82FB94-6107-6D01-D625-78DC6170DCF3}"/>
+                </a:ext>
+              </a:extLst>
+            </p:cNvPr>
+            <p:cNvCxnSpPr>
+              <a:stCxn id="4" idx="5"/>
+              <a:endCxn id="11" idx="1"/>
+            </p:cNvCxnSpPr>
+            <p:nvPr/>
+          </p:nvCxnSpPr>
+          <p:spPr>
+            <a:xfrm>
+              <a:off x="4670093" y="2331490"/>
+              <a:ext cx="553515" cy="569915"/>
+            </a:xfrm>
+            <a:prstGeom prst="straightConnector1">
+              <a:avLst/>
+            </a:prstGeom>
+            <a:ln>
+              <a:tailEnd type="triangle"/>
+            </a:ln>
+          </p:spPr>
+          <p:style>
+            <a:lnRef idx="1">
+              <a:schemeClr val="accent1"/>
+            </a:lnRef>
+            <a:fillRef idx="0">
+              <a:schemeClr val="accent1"/>
+            </a:fillRef>
+            <a:effectRef idx="0">
+              <a:schemeClr val="accent1"/>
+            </a:effectRef>
+            <a:fontRef idx="minor">
+              <a:schemeClr val="tx1"/>
+            </a:fontRef>
+          </p:style>
+        </p:cxnSp>
+        <p:cxnSp>
+          <p:nvCxnSpPr>
+            <p:cNvPr id="22" name="Straight Arrow Connector 21">
+              <a:extLst>
+                <a:ext uri="{FF2B5EF4-FFF2-40B4-BE49-F238E27FC236}">
+                  <a16:creationId xmlns:a16="http://schemas.microsoft.com/office/drawing/2014/main" id="{5E1F2A0B-BB92-56F1-1986-4A74CFAFBE77}"/>
+                </a:ext>
+              </a:extLst>
+            </p:cNvPr>
+            <p:cNvCxnSpPr>
+              <a:stCxn id="6" idx="6"/>
+              <a:endCxn id="8" idx="2"/>
+            </p:cNvCxnSpPr>
+            <p:nvPr/>
+          </p:nvCxnSpPr>
+          <p:spPr>
+            <a:xfrm>
+              <a:off x="3876908" y="3033875"/>
+              <a:ext cx="480989" cy="0"/>
+            </a:xfrm>
+            <a:prstGeom prst="straightConnector1">
+              <a:avLst/>
+            </a:prstGeom>
+            <a:ln>
+              <a:tailEnd type="triangle"/>
+            </a:ln>
+          </p:spPr>
+          <p:style>
+            <a:lnRef idx="1">
+              <a:schemeClr val="accent1"/>
+            </a:lnRef>
+            <a:fillRef idx="0">
+              <a:schemeClr val="accent1"/>
+            </a:fillRef>
+            <a:effectRef idx="0">
+              <a:schemeClr val="accent1"/>
+            </a:effectRef>
+            <a:fontRef idx="minor">
+              <a:schemeClr val="tx1"/>
+            </a:fontRef>
+          </p:style>
+        </p:cxnSp>
+        <p:cxnSp>
+          <p:nvCxnSpPr>
+            <p:cNvPr id="24" name="Straight Arrow Connector 23">
+              <a:extLst>
+                <a:ext uri="{FF2B5EF4-FFF2-40B4-BE49-F238E27FC236}">
+                  <a16:creationId xmlns:a16="http://schemas.microsoft.com/office/drawing/2014/main" id="{39301CE7-1273-83EB-072A-30E9F56082B5}"/>
+                </a:ext>
+              </a:extLst>
+            </p:cNvPr>
+            <p:cNvCxnSpPr>
+              <a:stCxn id="8" idx="6"/>
+              <a:endCxn id="11" idx="2"/>
+            </p:cNvCxnSpPr>
+            <p:nvPr/>
+          </p:nvCxnSpPr>
+          <p:spPr>
+            <a:xfrm>
+              <a:off x="4723657" y="3033875"/>
+              <a:ext cx="446387" cy="0"/>
+            </a:xfrm>
+            <a:prstGeom prst="straightConnector1">
+              <a:avLst/>
+            </a:prstGeom>
+            <a:ln>
+              <a:headEnd type="triangle"/>
+              <a:tailEnd type="triangle"/>
+            </a:ln>
+          </p:spPr>
+          <p:style>
+            <a:lnRef idx="1">
+              <a:schemeClr val="accent1"/>
+            </a:lnRef>
+            <a:fillRef idx="0">
+              <a:schemeClr val="accent1"/>
+            </a:fillRef>
+            <a:effectRef idx="0">
+              <a:schemeClr val="accent1"/>
+            </a:effectRef>
+            <a:fontRef idx="minor">
+              <a:schemeClr val="tx1"/>
+            </a:fontRef>
+          </p:style>
+        </p:cxnSp>
+        <p:cxnSp>
+          <p:nvCxnSpPr>
+            <p:cNvPr id="28" name="Straight Arrow Connector 27">
+              <a:extLst>
+                <a:ext uri="{FF2B5EF4-FFF2-40B4-BE49-F238E27FC236}">
+                  <a16:creationId xmlns:a16="http://schemas.microsoft.com/office/drawing/2014/main" id="{C21F3B4F-9EE9-CC74-F255-216684617BC6}"/>
+                </a:ext>
+              </a:extLst>
+            </p:cNvPr>
+            <p:cNvCxnSpPr>
+              <a:cxnSpLocks/>
+            </p:cNvCxnSpPr>
+            <p:nvPr/>
+          </p:nvCxnSpPr>
+          <p:spPr>
+            <a:xfrm>
+              <a:off x="3782862" y="3193780"/>
+              <a:ext cx="609637" cy="443006"/>
+            </a:xfrm>
+            <a:prstGeom prst="straightConnector1">
+              <a:avLst/>
+            </a:prstGeom>
+            <a:ln>
+              <a:tailEnd type="triangle"/>
+            </a:ln>
+          </p:spPr>
+          <p:style>
+            <a:lnRef idx="1">
+              <a:schemeClr val="accent1"/>
+            </a:lnRef>
+            <a:fillRef idx="0">
+              <a:schemeClr val="accent1"/>
+            </a:fillRef>
+            <a:effectRef idx="0">
+              <a:schemeClr val="accent1"/>
+            </a:effectRef>
+            <a:fontRef idx="minor">
+              <a:schemeClr val="tx1"/>
+            </a:fontRef>
+          </p:style>
+        </p:cxnSp>
+        <p:cxnSp>
+          <p:nvCxnSpPr>
+            <p:cNvPr id="31" name="Straight Arrow Connector 30">
+              <a:extLst>
+                <a:ext uri="{FF2B5EF4-FFF2-40B4-BE49-F238E27FC236}">
+                  <a16:creationId xmlns:a16="http://schemas.microsoft.com/office/drawing/2014/main" id="{714A77FD-0F86-3AD3-BCC6-0436E1FDD57D}"/>
+                </a:ext>
+              </a:extLst>
+            </p:cNvPr>
+            <p:cNvCxnSpPr>
+              <a:stCxn id="11" idx="3"/>
+            </p:cNvCxnSpPr>
+            <p:nvPr/>
+          </p:nvCxnSpPr>
+          <p:spPr>
+            <a:xfrm flipH="1">
+              <a:off x="4691171" y="3166344"/>
+              <a:ext cx="532437" cy="470442"/>
+            </a:xfrm>
+            <a:prstGeom prst="straightConnector1">
+              <a:avLst/>
+            </a:prstGeom>
+            <a:ln>
+              <a:headEnd type="triangle"/>
+              <a:tailEnd type="triangle"/>
+            </a:ln>
+          </p:spPr>
+          <p:style>
+            <a:lnRef idx="1">
+              <a:schemeClr val="accent1"/>
+            </a:lnRef>
+            <a:fillRef idx="0">
+              <a:schemeClr val="accent1"/>
+            </a:fillRef>
+            <a:effectRef idx="0">
+              <a:schemeClr val="accent1"/>
+            </a:effectRef>
+            <a:fontRef idx="minor">
+              <a:schemeClr val="tx1"/>
+            </a:fontRef>
+          </p:style>
+        </p:cxnSp>
+      </p:grpSp>
     </p:spTree>
     <p:extLst>
       <p:ext uri="{BB962C8B-B14F-4D97-AF65-F5344CB8AC3E}">
